--- a/shiryo/bounce/バウンドゲームを作ろう.pptx
+++ b/shiryo/bounce/バウンドゲームを作ろう.pptx
@@ -4758,7 +4758,7 @@
                 <a:latin typeface="+mn-ea"/>
                 <a:cs typeface="Times New Roman" panose="02020603050405020304" pitchFamily="18" charset="0"/>
               </a:rPr>
-              <a:t>main.css</a:t>
+              <a:t>main.js</a:t>
             </a:r>
             <a:r>
               <a:rPr lang="ja-JP" altLang="en-US" sz="1100" kern="100" dirty="0">
@@ -5602,7 +5602,7 @@
                 <a:latin typeface="+mn-ea"/>
                 <a:cs typeface="Times New Roman" panose="02020603050405020304" pitchFamily="18" charset="0"/>
               </a:rPr>
-              <a:t>main.css</a:t>
+              <a:t>main.js</a:t>
             </a:r>
             <a:r>
               <a:rPr lang="ja-JP" altLang="en-US" sz="1100" kern="100" dirty="0">
@@ -5962,7 +5962,7 @@
             </a:pPr>
             <a:r>
               <a:rPr lang="en-US" altLang="ja-JP" sz="800" dirty="0"/>
-              <a:t>“index.js”</a:t>
+              <a:t>“main.js”</a:t>
             </a:r>
             <a:r>
               <a:rPr lang="ja-JP" altLang="en-US" sz="800" dirty="0"/>
